--- a/Matlab.pptx
+++ b/Matlab.pptx
@@ -298,7 +298,7 @@
             <a:fld id="{C15F28F4-7B23-4356-B9B2-4CE17234FFAD}" type="datetimeFigureOut">
               <a:rPr lang="en-US" smtClean="0"/>
               <a:pPr/>
-              <a:t>02.04.2017</a:t>
+              <a:t>23-Oct-17</a:t>
             </a:fld>
             <a:endParaRPr lang="en-US" dirty="0"/>
           </a:p>
@@ -556,7 +556,7 @@
             <a:fld id="{635693BF-99C6-4686-80F7-1E28324EA339}" type="datetimeFigureOut">
               <a:rPr lang="en-US" smtClean="0"/>
               <a:pPr/>
-              <a:t>02.04.2017</a:t>
+              <a:t>23-Oct-17</a:t>
             </a:fld>
             <a:endParaRPr lang="en-US" dirty="0"/>
           </a:p>
@@ -723,7 +723,7 @@
             <a:fld id="{635693BF-99C6-4686-80F7-1E28324EA339}" type="datetimeFigureOut">
               <a:rPr lang="en-US" smtClean="0"/>
               <a:pPr/>
-              <a:t>02.04.2017</a:t>
+              <a:t>23-Oct-17</a:t>
             </a:fld>
             <a:endParaRPr lang="en-US" dirty="0"/>
           </a:p>
@@ -900,7 +900,7 @@
             <a:fld id="{635693BF-99C6-4686-80F7-1E28324EA339}" type="datetimeFigureOut">
               <a:rPr lang="en-US" smtClean="0"/>
               <a:pPr/>
-              <a:t>02.04.2017</a:t>
+              <a:t>23-Oct-17</a:t>
             </a:fld>
             <a:endParaRPr lang="en-US" dirty="0"/>
           </a:p>
@@ -1332,7 +1332,7 @@
             <a:fld id="{635693BF-99C6-4686-80F7-1E28324EA339}" type="datetimeFigureOut">
               <a:rPr lang="en-US" smtClean="0"/>
               <a:pPr/>
-              <a:t>02.04.2017</a:t>
+              <a:t>23-Oct-17</a:t>
             </a:fld>
             <a:endParaRPr lang="en-US" dirty="0"/>
           </a:p>
@@ -1598,7 +1598,7 @@
             <a:fld id="{635693BF-99C6-4686-80F7-1E28324EA339}" type="datetimeFigureOut">
               <a:rPr lang="en-US" smtClean="0"/>
               <a:pPr/>
-              <a:t>02.04.2017</a:t>
+              <a:t>23-Oct-17</a:t>
             </a:fld>
             <a:endParaRPr lang="en-US" dirty="0"/>
           </a:p>
@@ -1978,7 +1978,7 @@
             <a:fld id="{635693BF-99C6-4686-80F7-1E28324EA339}" type="datetimeFigureOut">
               <a:rPr lang="en-US" smtClean="0"/>
               <a:pPr/>
-              <a:t>02.04.2017</a:t>
+              <a:t>23-Oct-17</a:t>
             </a:fld>
             <a:endParaRPr lang="en-US" dirty="0"/>
           </a:p>
@@ -2130,7 +2130,7 @@
             <a:fld id="{635693BF-99C6-4686-80F7-1E28324EA339}" type="datetimeFigureOut">
               <a:rPr lang="en-US" smtClean="0"/>
               <a:pPr/>
-              <a:t>02.04.2017</a:t>
+              <a:t>23-Oct-17</a:t>
             </a:fld>
             <a:endParaRPr lang="en-US" dirty="0"/>
           </a:p>
@@ -2222,7 +2222,7 @@
             <a:fld id="{635693BF-99C6-4686-80F7-1E28324EA339}" type="datetimeFigureOut">
               <a:rPr lang="en-US" smtClean="0"/>
               <a:pPr/>
-              <a:t>02.04.2017</a:t>
+              <a:t>23-Oct-17</a:t>
             </a:fld>
             <a:endParaRPr lang="en-US" dirty="0"/>
           </a:p>
@@ -2485,7 +2485,7 @@
             <a:fld id="{635693BF-99C6-4686-80F7-1E28324EA339}" type="datetimeFigureOut">
               <a:rPr lang="en-US" smtClean="0"/>
               <a:pPr/>
-              <a:t>02.04.2017</a:t>
+              <a:t>23-Oct-17</a:t>
             </a:fld>
             <a:endParaRPr lang="en-US" dirty="0"/>
           </a:p>
@@ -2775,7 +2775,7 @@
             <a:fld id="{635693BF-99C6-4686-80F7-1E28324EA339}" type="datetimeFigureOut">
               <a:rPr lang="en-US" smtClean="0"/>
               <a:pPr/>
-              <a:t>02.04.2017</a:t>
+              <a:t>23-Oct-17</a:t>
             </a:fld>
             <a:endParaRPr lang="en-US" dirty="0"/>
           </a:p>
@@ -4268,11 +4268,12 @@
           <a:p>
             <a:pPr algn="ctr"/>
             <a:r>
-              <a:rPr lang="he-IL" dirty="0" smtClean="0">
-                <a:latin typeface="David" pitchFamily="34" charset="-79"/>
-                <a:cs typeface="David" pitchFamily="34" charset="-79"/>
-              </a:rPr>
-              <a:t>מיכאל קרפ</a:t>
+              <a:rPr lang="he-IL" dirty="0" smtClean="0"/>
+              <a:t>אנטון </a:t>
+            </a:r>
+            <a:r>
+              <a:rPr lang="he-IL" dirty="0" err="1" smtClean="0"/>
+              <a:t>רוניס</a:t>
             </a:r>
             <a:endParaRPr lang="en-US" b="0" dirty="0" smtClean="0">
               <a:latin typeface="David" pitchFamily="34" charset="-79"/>
@@ -4283,8 +4284,9 @@
             <a:pPr algn="ctr"/>
             <a:r>
               <a:rPr lang="en-US" dirty="0" smtClean="0"/>
-              <a:t>mkarp@technion.ac.il</a:t>
-            </a:r>
+              <a:t>ro@technion.ac.il</a:t>
+            </a:r>
+            <a:endParaRPr lang="en-US" dirty="0" smtClean="0"/>
           </a:p>
           <a:p>
             <a:pPr algn="ctr"/>
@@ -7230,7 +7232,7 @@
           <a:graphicData uri="http://schemas.openxmlformats.org/presentationml/2006/ole">
             <mc:AlternateContent xmlns:mc="http://schemas.openxmlformats.org/markup-compatibility/2006">
               <mc:Choice xmlns:v="urn:schemas-microsoft-com:vml" Requires="v">
-                <p:oleObj spid="_x0000_s3090" name="Equation" r:id="rId3" imgW="1536700" imgH="1143000" progId="Equation.DSMT4">
+                <p:oleObj spid="_x0000_s3091" name="Equation" r:id="rId3" imgW="1536700" imgH="1143000" progId="Equation.DSMT4">
                   <p:embed/>
                 </p:oleObj>
               </mc:Choice>
@@ -7732,7 +7734,7 @@
           <a:graphicData uri="http://schemas.openxmlformats.org/presentationml/2006/ole">
             <mc:AlternateContent xmlns:mc="http://schemas.openxmlformats.org/markup-compatibility/2006">
               <mc:Choice xmlns:v="urn:schemas-microsoft-com:vml" Requires="v">
-                <p:oleObj spid="_x0000_s22544" name="Equation" r:id="rId3" imgW="647700" imgH="457200" progId="Equation.DSMT4">
+                <p:oleObj spid="_x0000_s22545" name="Equation" r:id="rId3" imgW="647700" imgH="457200" progId="Equation.DSMT4">
                   <p:embed/>
                 </p:oleObj>
               </mc:Choice>
@@ -8228,7 +8230,7 @@
           <a:graphicData uri="http://schemas.openxmlformats.org/presentationml/2006/ole">
             <mc:AlternateContent xmlns:mc="http://schemas.openxmlformats.org/markup-compatibility/2006">
               <mc:Choice xmlns:v="urn:schemas-microsoft-com:vml" Requires="v">
-                <p:oleObj spid="_x0000_s20526" name="Equation" r:id="rId3" imgW="2298700" imgH="711200" progId="Equation.DSMT4">
+                <p:oleObj spid="_x0000_s20529" name="Equation" r:id="rId3" imgW="2298700" imgH="711200" progId="Equation.DSMT4">
                   <p:embed/>
                 </p:oleObj>
               </mc:Choice>
@@ -8298,7 +8300,7 @@
           <a:graphicData uri="http://schemas.openxmlformats.org/presentationml/2006/ole">
             <mc:AlternateContent xmlns:mc="http://schemas.openxmlformats.org/markup-compatibility/2006">
               <mc:Choice xmlns:v="urn:schemas-microsoft-com:vml" Requires="v">
-                <p:oleObj spid="_x0000_s20527" name="Equation" r:id="rId5" imgW="1435100" imgH="711200" progId="Equation.DSMT4">
+                <p:oleObj spid="_x0000_s20530" name="Equation" r:id="rId5" imgW="1435100" imgH="711200" progId="Equation.DSMT4">
                   <p:embed/>
                 </p:oleObj>
               </mc:Choice>
@@ -8368,7 +8370,7 @@
           <a:graphicData uri="http://schemas.openxmlformats.org/presentationml/2006/ole">
             <mc:AlternateContent xmlns:mc="http://schemas.openxmlformats.org/markup-compatibility/2006">
               <mc:Choice xmlns:v="urn:schemas-microsoft-com:vml" Requires="v">
-                <p:oleObj spid="_x0000_s20528" name="Equation" r:id="rId7" imgW="1943100" imgH="711200" progId="Equation.DSMT4">
+                <p:oleObj spid="_x0000_s20531" name="Equation" r:id="rId7" imgW="1943100" imgH="711200" progId="Equation.DSMT4">
                   <p:embed/>
                 </p:oleObj>
               </mc:Choice>
@@ -9555,7 +9557,7 @@
           <a:graphicData uri="http://schemas.openxmlformats.org/presentationml/2006/ole">
             <mc:AlternateContent xmlns:mc="http://schemas.openxmlformats.org/markup-compatibility/2006">
               <mc:Choice xmlns:v="urn:schemas-microsoft-com:vml" Requires="v">
-                <p:oleObj spid="_x0000_s18463" name="Equation" r:id="rId3" imgW="558558" imgH="177723" progId="Equation.DSMT4">
+                <p:oleObj spid="_x0000_s18465" name="Equation" r:id="rId3" imgW="558558" imgH="177723" progId="Equation.DSMT4">
                   <p:embed/>
                 </p:oleObj>
               </mc:Choice>
@@ -9625,7 +9627,7 @@
           <a:graphicData uri="http://schemas.openxmlformats.org/presentationml/2006/ole">
             <mc:AlternateContent xmlns:mc="http://schemas.openxmlformats.org/markup-compatibility/2006">
               <mc:Choice xmlns:v="urn:schemas-microsoft-com:vml" Requires="v">
-                <p:oleObj spid="_x0000_s18464" name="Equation" r:id="rId5" imgW="723586" imgH="203112" progId="Equation.DSMT4">
+                <p:oleObj spid="_x0000_s18466" name="Equation" r:id="rId5" imgW="723586" imgH="203112" progId="Equation.DSMT4">
                   <p:embed/>
                 </p:oleObj>
               </mc:Choice>
@@ -12389,7 +12391,7 @@
         <p:spPr/>
         <p:txBody>
           <a:bodyPr>
-            <a:normAutofit/>
+            <a:normAutofit lnSpcReduction="10000"/>
           </a:bodyPr>
           <a:lstStyle/>
           <a:p>
@@ -12421,7 +12423,11 @@
           <a:p>
             <a:r>
               <a:rPr lang="he-IL" dirty="0" smtClean="0"/>
-              <a:t>חומר עזר</a:t>
+              <a:t>חומר </a:t>
+            </a:r>
+            <a:r>
+              <a:rPr lang="he-IL" dirty="0" smtClean="0"/>
+              <a:t>עזר</a:t>
             </a:r>
           </a:p>
           <a:p>
@@ -12430,19 +12436,19 @@
               <a:rPr lang="he-IL" sz="2000" dirty="0" smtClean="0">
                 <a:hlinkClick r:id="rId3"/>
               </a:rPr>
+              <a:t>אתר הקורס</a:t>
+            </a:r>
+            <a:endParaRPr lang="he-IL" sz="2000" dirty="0" smtClean="0"/>
+          </a:p>
+          <a:p>
+            <a:pPr lvl="1"/>
+            <a:r>
+              <a:rPr lang="he-IL" sz="2000" dirty="0" smtClean="0">
+                <a:hlinkClick r:id="rId4"/>
+              </a:rPr>
               <a:t>חוברת עזר של דורי פלג</a:t>
             </a:r>
             <a:endParaRPr lang="he-IL" sz="2000" dirty="0" smtClean="0"/>
-          </a:p>
-          <a:p>
-            <a:pPr lvl="1"/>
-            <a:r>
-              <a:rPr lang="en-US" sz="2000" dirty="0" smtClean="0">
-                <a:hlinkClick r:id="rId4"/>
-              </a:rPr>
-              <a:t>http://www.mathworks.com/</a:t>
-            </a:r>
-            <a:endParaRPr lang="en-US" sz="2000" dirty="0" smtClean="0"/>
           </a:p>
           <a:p>
             <a:pPr lvl="1"/>
@@ -12450,7 +12456,7 @@
               <a:rPr lang="en-US" sz="2000" dirty="0" smtClean="0">
                 <a:hlinkClick r:id="rId5"/>
               </a:rPr>
-              <a:t>http://www.math.ucsd.edu/~bdriver/21d-f99/help--files/matlab-primer.html</a:t>
+              <a:t>http://www.mathworks.com/</a:t>
             </a:r>
             <a:endParaRPr lang="en-US" sz="2000" dirty="0" smtClean="0"/>
           </a:p>
@@ -12460,7 +12466,7 @@
               <a:rPr lang="en-US" sz="2000" dirty="0" smtClean="0">
                 <a:hlinkClick r:id="rId6"/>
               </a:rPr>
-              <a:t>http://matlab.wikia.com/wiki/FAQ</a:t>
+              <a:t>http://www.math.ucsd.edu/~bdriver/21d-f99/help--files/matlab-primer.html</a:t>
             </a:r>
             <a:endParaRPr lang="en-US" sz="2000" dirty="0" smtClean="0"/>
           </a:p>
@@ -12470,10 +12476,20 @@
               <a:rPr lang="en-US" sz="2000" dirty="0" smtClean="0">
                 <a:hlinkClick r:id="rId7"/>
               </a:rPr>
+              <a:t>http://matlab.wikia.com/wiki/FAQ</a:t>
+            </a:r>
+            <a:endParaRPr lang="en-US" sz="2000" dirty="0" smtClean="0"/>
+          </a:p>
+          <a:p>
+            <a:pPr lvl="1"/>
+            <a:r>
+              <a:rPr lang="en-US" sz="2000" dirty="0" smtClean="0">
+                <a:hlinkClick r:id="rId8"/>
+              </a:rPr>
               <a:t>http://web.eecs.umich.edu/~aey/eecs216.html</a:t>
             </a:r>
             <a:endParaRPr lang="en-US" sz="2000" dirty="0" smtClean="0">
-              <a:hlinkClick r:id="rId8"/>
+              <a:hlinkClick r:id="rId9"/>
             </a:endParaRPr>
           </a:p>
           <a:p>
@@ -14176,7 +14192,7 @@
           <a:graphicData uri="http://schemas.openxmlformats.org/presentationml/2006/ole">
             <mc:AlternateContent xmlns:mc="http://schemas.openxmlformats.org/markup-compatibility/2006">
               <mc:Choice xmlns:v="urn:schemas-microsoft-com:vml" Requires="v">
-                <p:oleObj spid="_x0000_s53268" name="Equation" r:id="rId4" imgW="1397000" imgH="431800" progId="Equation.DSMT4">
+                <p:oleObj spid="_x0000_s53269" name="Equation" r:id="rId4" imgW="1397000" imgH="431800" progId="Equation.DSMT4">
                   <p:embed/>
                 </p:oleObj>
               </mc:Choice>
@@ -14629,7 +14645,7 @@
           <a:graphicData uri="http://schemas.openxmlformats.org/presentationml/2006/ole">
             <mc:AlternateContent xmlns:mc="http://schemas.openxmlformats.org/markup-compatibility/2006">
               <mc:Choice xmlns:v="urn:schemas-microsoft-com:vml" Requires="v">
-                <p:oleObj spid="_x0000_s55327" name="Equation" r:id="rId3" imgW="3009900" imgH="457200" progId="Equation.DSMT4">
+                <p:oleObj spid="_x0000_s55329" name="Equation" r:id="rId3" imgW="3009900" imgH="457200" progId="Equation.DSMT4">
                   <p:embed/>
                 </p:oleObj>
               </mc:Choice>
@@ -14699,7 +14715,7 @@
           <a:graphicData uri="http://schemas.openxmlformats.org/presentationml/2006/ole">
             <mc:AlternateContent xmlns:mc="http://schemas.openxmlformats.org/markup-compatibility/2006">
               <mc:Choice xmlns:v="urn:schemas-microsoft-com:vml" Requires="v">
-                <p:oleObj spid="_x0000_s55328" name="Equation" r:id="rId5" imgW="3302000" imgH="457200" progId="Equation.DSMT4">
+                <p:oleObj spid="_x0000_s55330" name="Equation" r:id="rId5" imgW="3302000" imgH="457200" progId="Equation.DSMT4">
                   <p:embed/>
                 </p:oleObj>
               </mc:Choice>
@@ -15172,7 +15188,7 @@
           <a:graphicData uri="http://schemas.openxmlformats.org/presentationml/2006/ole">
             <mc:AlternateContent xmlns:mc="http://schemas.openxmlformats.org/markup-compatibility/2006">
               <mc:Choice xmlns:v="urn:schemas-microsoft-com:vml" Requires="v">
-                <p:oleObj spid="_x0000_s64574" name="Equation" r:id="rId3" imgW="723586" imgH="241195" progId="Equation.DSMT4">
+                <p:oleObj spid="_x0000_s64578" name="Equation" r:id="rId3" imgW="723586" imgH="241195" progId="Equation.DSMT4">
                   <p:embed/>
                 </p:oleObj>
               </mc:Choice>
@@ -15242,7 +15258,7 @@
           <a:graphicData uri="http://schemas.openxmlformats.org/presentationml/2006/ole">
             <mc:AlternateContent xmlns:mc="http://schemas.openxmlformats.org/markup-compatibility/2006">
               <mc:Choice xmlns:v="urn:schemas-microsoft-com:vml" Requires="v">
-                <p:oleObj spid="_x0000_s64575" name="Equation" r:id="rId5" imgW="1002865" imgH="799753" progId="Equation.DSMT4">
+                <p:oleObj spid="_x0000_s64579" name="Equation" r:id="rId5" imgW="1002865" imgH="799753" progId="Equation.DSMT4">
                   <p:embed/>
                 </p:oleObj>
               </mc:Choice>
@@ -15312,7 +15328,7 @@
           <a:graphicData uri="http://schemas.openxmlformats.org/presentationml/2006/ole">
             <mc:AlternateContent xmlns:mc="http://schemas.openxmlformats.org/markup-compatibility/2006">
               <mc:Choice xmlns:v="urn:schemas-microsoft-com:vml" Requires="v">
-                <p:oleObj spid="_x0000_s64576" name="Equation" r:id="rId7" imgW="825500" imgH="457200" progId="Equation.DSMT4">
+                <p:oleObj spid="_x0000_s64580" name="Equation" r:id="rId7" imgW="825500" imgH="457200" progId="Equation.DSMT4">
                   <p:embed/>
                 </p:oleObj>
               </mc:Choice>
@@ -15382,7 +15398,7 @@
           <a:graphicData uri="http://schemas.openxmlformats.org/presentationml/2006/ole">
             <mc:AlternateContent xmlns:mc="http://schemas.openxmlformats.org/markup-compatibility/2006">
               <mc:Choice xmlns:v="urn:schemas-microsoft-com:vml" Requires="v">
-                <p:oleObj spid="_x0000_s64577" name="Equation" r:id="rId9" imgW="1307532" imgH="634725" progId="Equation.DSMT4">
+                <p:oleObj spid="_x0000_s64581" name="Equation" r:id="rId9" imgW="1307532" imgH="634725" progId="Equation.DSMT4">
                   <p:embed/>
                 </p:oleObj>
               </mc:Choice>
@@ -15590,7 +15606,7 @@
           <a:graphicData uri="http://schemas.openxmlformats.org/presentationml/2006/ole">
             <mc:AlternateContent xmlns:mc="http://schemas.openxmlformats.org/markup-compatibility/2006">
               <mc:Choice xmlns:v="urn:schemas-microsoft-com:vml" Requires="v">
-                <p:oleObj spid="_x0000_s65568" name="Equation" r:id="rId3" imgW="2235200" imgH="482600" progId="Equation.DSMT4">
+                <p:oleObj spid="_x0000_s65570" name="Equation" r:id="rId3" imgW="2235200" imgH="482600" progId="Equation.DSMT4">
                   <p:embed/>
                 </p:oleObj>
               </mc:Choice>
@@ -15660,7 +15676,7 @@
           <a:graphicData uri="http://schemas.openxmlformats.org/presentationml/2006/ole">
             <mc:AlternateContent xmlns:mc="http://schemas.openxmlformats.org/markup-compatibility/2006">
               <mc:Choice xmlns:v="urn:schemas-microsoft-com:vml" Requires="v">
-                <p:oleObj spid="_x0000_s65569" name="Equation" r:id="rId5" imgW="2552700" imgH="736600" progId="Equation.DSMT4">
+                <p:oleObj spid="_x0000_s65571" name="Equation" r:id="rId5" imgW="2552700" imgH="736600" progId="Equation.DSMT4">
                   <p:embed/>
                 </p:oleObj>
               </mc:Choice>
@@ -16360,7 +16376,7 @@
           <a:graphicData uri="http://schemas.openxmlformats.org/presentationml/2006/ole">
             <mc:AlternateContent xmlns:mc="http://schemas.openxmlformats.org/markup-compatibility/2006">
               <mc:Choice xmlns:v="urn:schemas-microsoft-com:vml" Requires="v">
-                <p:oleObj spid="_x0000_s67601" name="Equation" r:id="rId3" imgW="2286000" imgH="482600" progId="Equation.DSMT4">
+                <p:oleObj spid="_x0000_s67602" name="Equation" r:id="rId3" imgW="2286000" imgH="482600" progId="Equation.DSMT4">
                   <p:embed/>
                 </p:oleObj>
               </mc:Choice>
@@ -17688,11 +17704,7 @@
             </a:r>
             <a:r>
               <a:rPr lang="he-IL" sz="2000" dirty="0" smtClean="0"/>
-              <a:t>:  </a:t>
-            </a:r>
-            <a:r>
-              <a:rPr lang="he-IL" sz="2000" dirty="0" smtClean="0"/>
-              <a:t>                             </a:t>
+              <a:t>:                               </a:t>
             </a:r>
             <a:r>
               <a:rPr lang="en-US" sz="2000" dirty="0" smtClean="0"/>
@@ -17738,11 +17750,7 @@
           <a:p>
             <a:r>
               <a:rPr lang="he-IL" sz="2000" dirty="0" smtClean="0"/>
-              <a:t>המרה </a:t>
-            </a:r>
-            <a:r>
-              <a:rPr lang="he-IL" sz="2000" dirty="0" smtClean="0"/>
-              <a:t>של מספר למחרוזת      </a:t>
+              <a:t>המרה של מספר למחרוזת      </a:t>
             </a:r>
             <a:r>
               <a:rPr lang="en-US" sz="1800" dirty="0" smtClean="0">
@@ -17832,21 +17840,7 @@
                 <a:latin typeface="Courier New" pitchFamily="49" charset="0"/>
                 <a:cs typeface="Courier New" pitchFamily="49" charset="0"/>
               </a:rPr>
-              <a:t> </a:t>
-            </a:r>
-            <a:r>
-              <a:rPr lang="en-US" sz="2000" dirty="0" smtClean="0">
-                <a:latin typeface="Courier New" pitchFamily="49" charset="0"/>
-                <a:cs typeface="Courier New" pitchFamily="49" charset="0"/>
-              </a:rPr>
-              <a:t>'</a:t>
-            </a:r>
-            <a:r>
-              <a:rPr lang="en-US" sz="2000" dirty="0" smtClean="0">
-                <a:latin typeface="Courier New" pitchFamily="49" charset="0"/>
-                <a:cs typeface="Courier New" pitchFamily="49" charset="0"/>
-              </a:rPr>
-              <a:t>dlroW</a:t>
+              <a:t> 'dlroW</a:t>
             </a:r>
             <a:r>
               <a:rPr lang="en-US" sz="2000" dirty="0">
@@ -17974,14 +17968,7 @@
                 <a:latin typeface="Courier New" pitchFamily="49" charset="0"/>
                 <a:cs typeface="Courier New" pitchFamily="49" charset="0"/>
               </a:rPr>
-              <a:t>&gt;&gt;matString = strvcat(matString</a:t>
-            </a:r>
-            <a:r>
-              <a:rPr lang="en-US" sz="1800" dirty="0" smtClean="0">
-                <a:latin typeface="Courier New" pitchFamily="49" charset="0"/>
-                <a:cs typeface="Courier New" pitchFamily="49" charset="0"/>
-              </a:rPr>
-              <a:t>,'</a:t>
+              <a:t>&gt;&gt;matString = strvcat(matString,'</a:t>
             </a:r>
             <a:r>
               <a:rPr lang="en-US" sz="1800" dirty="0">
@@ -19406,14 +19393,7 @@
                 <a:latin typeface="Courier New" pitchFamily="49" charset="0"/>
                 <a:cs typeface="Courier New" pitchFamily="49" charset="0"/>
               </a:rPr>
-              <a:t>'length',</a:t>
-            </a:r>
-            <a:r>
-              <a:rPr lang="en-US" sz="1600" dirty="0" smtClean="0">
-                <a:latin typeface="Courier New" pitchFamily="49" charset="0"/>
-                <a:cs typeface="Courier New" pitchFamily="49" charset="0"/>
-              </a:rPr>
-              <a:t>A) </a:t>
+              <a:t>'length',A) </a:t>
             </a:r>
             <a:r>
               <a:rPr lang="en-US" sz="1600" dirty="0" smtClean="0">
@@ -20417,14 +20397,21 @@
                 <a:latin typeface="Courier New" pitchFamily="49" charset="0"/>
                 <a:cs typeface="Courier New" pitchFamily="49" charset="0"/>
               </a:rPr>
-              <a:t>&gt;&gt;StrArray = struct</a:t>
+              <a:t>&gt;&gt;StrArray = struct(</a:t>
+            </a:r>
+            <a:r>
+              <a:rPr lang="en-US" sz="1800" dirty="0" smtClean="0">
+                <a:latin typeface="Courier New" pitchFamily="49" charset="0"/>
+                <a:cs typeface="Courier New" pitchFamily="49" charset="0"/>
+              </a:rPr>
+              <a:t>'</a:t>
             </a:r>
             <a:r>
               <a:rPr lang="en-US" sz="1700" dirty="0" smtClean="0">
                 <a:latin typeface="Courier New" pitchFamily="49" charset="0"/>
                 <a:cs typeface="Courier New" pitchFamily="49" charset="0"/>
               </a:rPr>
-              <a:t>(</a:t>
+              <a:t>field1</a:t>
             </a:r>
             <a:r>
               <a:rPr lang="en-US" sz="1800" dirty="0" smtClean="0">
@@ -20438,7 +20425,7 @@
                 <a:latin typeface="Courier New" pitchFamily="49" charset="0"/>
                 <a:cs typeface="Courier New" pitchFamily="49" charset="0"/>
               </a:rPr>
-              <a:t>field1</a:t>
+              <a:t>,{values1},</a:t>
             </a:r>
             <a:r>
               <a:rPr lang="en-US" sz="1800" dirty="0" smtClean="0">
@@ -20452,56 +20439,21 @@
                 <a:latin typeface="Courier New" pitchFamily="49" charset="0"/>
                 <a:cs typeface="Courier New" pitchFamily="49" charset="0"/>
               </a:rPr>
-              <a:t>,{</a:t>
+              <a:t>field2</a:t>
+            </a:r>
+            <a:r>
+              <a:rPr lang="en-US" sz="1800" dirty="0" smtClean="0">
+                <a:latin typeface="Courier New" pitchFamily="49" charset="0"/>
+                <a:cs typeface="Courier New" pitchFamily="49" charset="0"/>
+              </a:rPr>
+              <a:t>'</a:t>
             </a:r>
             <a:r>
               <a:rPr lang="en-US" sz="1700" dirty="0" smtClean="0">
                 <a:latin typeface="Courier New" pitchFamily="49" charset="0"/>
                 <a:cs typeface="Courier New" pitchFamily="49" charset="0"/>
               </a:rPr>
-              <a:t>values1</a:t>
-            </a:r>
-            <a:r>
-              <a:rPr lang="en-US" sz="1700" dirty="0" smtClean="0">
-                <a:latin typeface="Courier New" pitchFamily="49" charset="0"/>
-                <a:cs typeface="Courier New" pitchFamily="49" charset="0"/>
-              </a:rPr>
-              <a:t>},</a:t>
-            </a:r>
-            <a:r>
-              <a:rPr lang="en-US" sz="1800" dirty="0" smtClean="0">
-                <a:latin typeface="Courier New" pitchFamily="49" charset="0"/>
-                <a:cs typeface="Courier New" pitchFamily="49" charset="0"/>
-              </a:rPr>
-              <a:t>'</a:t>
-            </a:r>
-            <a:r>
-              <a:rPr lang="en-US" sz="1700" dirty="0" smtClean="0">
-                <a:latin typeface="Courier New" pitchFamily="49" charset="0"/>
-                <a:cs typeface="Courier New" pitchFamily="49" charset="0"/>
-              </a:rPr>
-              <a:t>field2</a:t>
-            </a:r>
-            <a:r>
-              <a:rPr lang="en-US" sz="1800" dirty="0" smtClean="0">
-                <a:latin typeface="Courier New" pitchFamily="49" charset="0"/>
-                <a:cs typeface="Courier New" pitchFamily="49" charset="0"/>
-              </a:rPr>
-              <a:t>'</a:t>
-            </a:r>
-            <a:r>
-              <a:rPr lang="en-US" sz="1700" dirty="0" smtClean="0">
-                <a:latin typeface="Courier New" pitchFamily="49" charset="0"/>
-                <a:cs typeface="Courier New" pitchFamily="49" charset="0"/>
-              </a:rPr>
-              <a:t>,{</a:t>
-            </a:r>
-            <a:r>
-              <a:rPr lang="en-US" sz="1700" dirty="0" smtClean="0">
-                <a:latin typeface="Courier New" pitchFamily="49" charset="0"/>
-                <a:cs typeface="Courier New" pitchFamily="49" charset="0"/>
-              </a:rPr>
-              <a:t>values2},…)</a:t>
+              <a:t>,{values2},…)</a:t>
             </a:r>
             <a:endParaRPr lang="he-IL" sz="1700" dirty="0" smtClean="0">
               <a:latin typeface="Courier New" pitchFamily="49" charset="0"/>
@@ -20720,14 +20672,7 @@
                 <a:latin typeface="Courier New" pitchFamily="49" charset="0"/>
                 <a:cs typeface="Courier New" pitchFamily="49" charset="0"/>
               </a:rPr>
-              <a:t>patient = rmfield</a:t>
-            </a:r>
-            <a:r>
-              <a:rPr lang="en-US" sz="1900" dirty="0" smtClean="0">
-                <a:latin typeface="Courier New" pitchFamily="49" charset="0"/>
-                <a:cs typeface="Courier New" pitchFamily="49" charset="0"/>
-              </a:rPr>
-              <a:t>(patient,'</a:t>
+              <a:t>patient = rmfield(patient,'</a:t>
             </a:r>
             <a:r>
               <a:rPr lang="en-US" sz="1900" dirty="0">
@@ -20744,11 +20689,7 @@
           <a:p>
             <a:r>
               <a:rPr lang="he-IL" sz="2000" dirty="0" smtClean="0"/>
-              <a:t>גישה </a:t>
-            </a:r>
-            <a:r>
-              <a:rPr lang="he-IL" sz="2000" dirty="0" smtClean="0"/>
-              <a:t>לאיבר במערך:</a:t>
+              <a:t>גישה לאיבר במערך:</a:t>
             </a:r>
           </a:p>
           <a:p>
@@ -21069,21 +21010,7 @@
                 <a:latin typeface="Courier New" pitchFamily="49" charset="0"/>
                 <a:cs typeface="Courier New" pitchFamily="49" charset="0"/>
               </a:rPr>
-              <a:t>path=fullfile(matlabroot</a:t>
-            </a:r>
-            <a:r>
-              <a:rPr lang="en-US" dirty="0" smtClean="0">
-                <a:latin typeface="Courier New" pitchFamily="49" charset="0"/>
-                <a:cs typeface="Courier New" pitchFamily="49" charset="0"/>
-              </a:rPr>
-              <a:t>,'toolbox\matlab\matfun</a:t>
-            </a:r>
-            <a:r>
-              <a:rPr lang="en-US" dirty="0" smtClean="0">
-                <a:latin typeface="Courier New" pitchFamily="49" charset="0"/>
-                <a:cs typeface="Courier New" pitchFamily="49" charset="0"/>
-              </a:rPr>
-              <a:t>')</a:t>
+              <a:t>path=fullfile(matlabroot,'toolbox\matlab\matfun')</a:t>
             </a:r>
           </a:p>
           <a:p>
@@ -21126,26 +21053,8 @@
                 <a:latin typeface="Courier New" pitchFamily="49" charset="0"/>
                 <a:cs typeface="Courier New" pitchFamily="49" charset="0"/>
               </a:rPr>
-              <a:t>IsDir </a:t>
-            </a:r>
-            <a:r>
-              <a:rPr lang="en-US" dirty="0" smtClean="0">
-                <a:latin typeface="Courier New" pitchFamily="49" charset="0"/>
-                <a:cs typeface="Courier New" pitchFamily="49" charset="0"/>
-              </a:rPr>
-              <a:t>= cell2mat({list.isdir</a:t>
-            </a:r>
-            <a:r>
-              <a:rPr lang="en-US" dirty="0" smtClean="0">
-                <a:latin typeface="Courier New" pitchFamily="49" charset="0"/>
-                <a:cs typeface="Courier New" pitchFamily="49" charset="0"/>
-              </a:rPr>
-              <a:t>})'</a:t>
-            </a:r>
-            <a:endParaRPr lang="en-US" dirty="0" smtClean="0">
-              <a:latin typeface="Courier New" pitchFamily="49" charset="0"/>
-              <a:cs typeface="Courier New" pitchFamily="49" charset="0"/>
-            </a:endParaRPr>
+              <a:t>IsDir = cell2mat({list.isdir})'</a:t>
+            </a:r>
           </a:p>
           <a:p>
             <a:pPr marL="342900" indent="-342900">
@@ -21157,21 +21066,7 @@
                 <a:latin typeface="Courier New" pitchFamily="49" charset="0"/>
                 <a:cs typeface="Courier New" pitchFamily="49" charset="0"/>
               </a:rPr>
-              <a:t>flist </a:t>
-            </a:r>
-            <a:r>
-              <a:rPr lang="en-US" dirty="0" smtClean="0">
-                <a:latin typeface="Courier New" pitchFamily="49" charset="0"/>
-                <a:cs typeface="Courier New" pitchFamily="49" charset="0"/>
-              </a:rPr>
-              <a:t>= </a:t>
-            </a:r>
-            <a:r>
-              <a:rPr lang="en-US" dirty="0" smtClean="0">
-                <a:latin typeface="Courier New" pitchFamily="49" charset="0"/>
-                <a:cs typeface="Courier New" pitchFamily="49" charset="0"/>
-              </a:rPr>
-              <a:t>____</a:t>
+              <a:t>flist = ____</a:t>
             </a:r>
           </a:p>
           <a:p>
@@ -21184,26 +21079,8 @@
                 <a:latin typeface="Courier New" pitchFamily="49" charset="0"/>
                 <a:cs typeface="Courier New" pitchFamily="49" charset="0"/>
               </a:rPr>
-              <a:t>bytes </a:t>
-            </a:r>
-            <a:r>
-              <a:rPr lang="en-US" dirty="0" smtClean="0">
-                <a:latin typeface="Courier New" pitchFamily="49" charset="0"/>
-                <a:cs typeface="Courier New" pitchFamily="49" charset="0"/>
-              </a:rPr>
-              <a:t>= cell2mat({flist.bytes</a:t>
-            </a:r>
-            <a:r>
-              <a:rPr lang="en-US" dirty="0" smtClean="0">
-                <a:latin typeface="Courier New" pitchFamily="49" charset="0"/>
-                <a:cs typeface="Courier New" pitchFamily="49" charset="0"/>
-              </a:rPr>
-              <a:t>})'</a:t>
-            </a:r>
-            <a:endParaRPr lang="en-US" dirty="0" smtClean="0">
-              <a:latin typeface="Courier New" pitchFamily="49" charset="0"/>
-              <a:cs typeface="Courier New" pitchFamily="49" charset="0"/>
-            </a:endParaRPr>
+              <a:t>bytes = cell2mat({flist.bytes})'</a:t>
+            </a:r>
           </a:p>
           <a:p>
             <a:pPr marL="342900" indent="-342900">
@@ -21215,21 +21092,7 @@
                 <a:latin typeface="Courier New" pitchFamily="49" charset="0"/>
                 <a:cs typeface="Courier New" pitchFamily="49" charset="0"/>
               </a:rPr>
-              <a:t>[mVal,mInd</a:t>
-            </a:r>
-            <a:r>
-              <a:rPr lang="en-US" dirty="0" smtClean="0">
-                <a:latin typeface="Courier New" pitchFamily="49" charset="0"/>
-                <a:cs typeface="Courier New" pitchFamily="49" charset="0"/>
-              </a:rPr>
-              <a:t>] = </a:t>
-            </a:r>
-            <a:r>
-              <a:rPr lang="en-US" dirty="0" smtClean="0">
-                <a:latin typeface="Courier New" pitchFamily="49" charset="0"/>
-                <a:cs typeface="Courier New" pitchFamily="49" charset="0"/>
-              </a:rPr>
-              <a:t>min(bytes)</a:t>
+              <a:t>[mVal,mInd] = min(bytes)</a:t>
             </a:r>
           </a:p>
           <a:p>
@@ -21242,21 +21105,7 @@
                 <a:latin typeface="Courier New" pitchFamily="49" charset="0"/>
                 <a:cs typeface="Courier New" pitchFamily="49" charset="0"/>
               </a:rPr>
-              <a:t>minFile </a:t>
-            </a:r>
-            <a:r>
-              <a:rPr lang="en-US" dirty="0" smtClean="0">
-                <a:latin typeface="Courier New" pitchFamily="49" charset="0"/>
-                <a:cs typeface="Courier New" pitchFamily="49" charset="0"/>
-              </a:rPr>
-              <a:t>= flist</a:t>
-            </a:r>
-            <a:r>
-              <a:rPr lang="en-US" dirty="0" smtClean="0">
-                <a:latin typeface="Courier New" pitchFamily="49" charset="0"/>
-                <a:cs typeface="Courier New" pitchFamily="49" charset="0"/>
-              </a:rPr>
-              <a:t>(__)__</a:t>
+              <a:t>minFile = flist(__)__</a:t>
             </a:r>
             <a:endParaRPr lang="en-US" dirty="0">
               <a:latin typeface="Courier New" pitchFamily="49" charset="0"/>
@@ -21392,11 +21241,7 @@
             </a:pPr>
             <a:r>
               <a:rPr lang="he-IL" sz="1800" dirty="0" smtClean="0"/>
-              <a:t>1. הספריה </a:t>
-            </a:r>
-            <a:r>
-              <a:rPr lang="he-IL" sz="1800" dirty="0" smtClean="0"/>
-              <a:t>הנבחנת</a:t>
+              <a:t>1. הספריה הנבחנת</a:t>
             </a:r>
           </a:p>
           <a:p>
@@ -21413,13 +21258,8 @@
             </a:r>
             <a:r>
               <a:rPr lang="he-IL" sz="1800" dirty="0" smtClean="0"/>
-              <a:t> מחזירה תשובה לתוך מבנה. בחנו את השדות </a:t>
-            </a:r>
-            <a:r>
-              <a:rPr lang="he-IL" sz="1800" dirty="0" smtClean="0"/>
-              <a:t>ותחולתם</a:t>
-            </a:r>
-            <a:endParaRPr lang="he-IL" sz="1800" dirty="0" smtClean="0"/>
+              <a:t> מחזירה תשובה לתוך מבנה. בחנו את השדות ותחולתם</a:t>
+            </a:r>
           </a:p>
           <a:p>
             <a:pPr>
@@ -21436,13 +21276,8 @@
             </a:pPr>
             <a:r>
               <a:rPr lang="he-IL" sz="1800" dirty="0" smtClean="0"/>
-              <a:t>3. חלק מהאלמנטים הם תיקיות וחלק </a:t>
-            </a:r>
-            <a:r>
-              <a:rPr lang="he-IL" sz="1800" dirty="0" smtClean="0"/>
-              <a:t>קבצים</a:t>
-            </a:r>
-            <a:endParaRPr lang="he-IL" sz="1800" dirty="0" smtClean="0"/>
+              <a:t>3. חלק מהאלמנטים הם תיקיות וחלק קבצים</a:t>
+            </a:r>
           </a:p>
           <a:p>
             <a:pPr>
@@ -21512,11 +21347,7 @@
             </a:pPr>
             <a:r>
               <a:rPr lang="he-IL" sz="1800" dirty="0" smtClean="0"/>
-              <a:t>8. השתמשו בתוצאת 7 והשלימו את הפקודה כדי לקבל את שם הקובץ </a:t>
-            </a:r>
-            <a:r>
-              <a:rPr lang="he-IL" sz="1800" dirty="0" smtClean="0"/>
-              <a:t>המבוקש</a:t>
+              <a:t>8. השתמשו בתוצאת 7 והשלימו את הפקודה כדי לקבל את שם הקובץ המבוקש</a:t>
             </a:r>
           </a:p>
           <a:p>
@@ -21535,7 +21366,6 @@
               <a:rPr lang="he-IL" sz="1800" dirty="0" smtClean="0"/>
               <a:t>המינימלי</a:t>
             </a:r>
-            <a:endParaRPr lang="he-IL" sz="1800" dirty="0" smtClean="0"/>
           </a:p>
           <a:p>
             <a:pPr>
@@ -21547,15 +21377,7 @@
             </a:r>
             <a:r>
               <a:rPr lang="he-IL" sz="1800" dirty="0" smtClean="0"/>
-              <a:t>. </a:t>
-            </a:r>
-            <a:r>
-              <a:rPr lang="he-IL" sz="1800" dirty="0" smtClean="0"/>
-              <a:t>צרו מטריצת מחרוזות המכילה את שמות הקבצים (שלב זה לא הכרחי, אך טוב לאימון</a:t>
-            </a:r>
-            <a:r>
-              <a:rPr lang="he-IL" sz="1800" dirty="0" smtClean="0"/>
-              <a:t>)</a:t>
+              <a:t>. צרו מטריצת מחרוזות המכילה את שמות הקבצים (שלב זה לא הכרחי, אך טוב לאימון)</a:t>
             </a:r>
             <a:endParaRPr lang="he-IL" sz="1800" dirty="0"/>
           </a:p>
@@ -21801,33 +21623,19 @@
                 <a:latin typeface="Courier New" pitchFamily="49" charset="0"/>
                 <a:cs typeface="Courier New" pitchFamily="49" charset="0"/>
               </a:rPr>
-              <a:t>% </a:t>
-            </a:r>
+              <a:t>% lets see why it is so small:</a:t>
+            </a:r>
+          </a:p>
+          <a:p>
+            <a:pPr algn="l" rtl="0">
+              <a:buNone/>
+            </a:pPr>
             <a:r>
               <a:rPr lang="en-US" sz="1800" dirty="0" smtClean="0">
                 <a:latin typeface="Courier New" pitchFamily="49" charset="0"/>
                 <a:cs typeface="Courier New" pitchFamily="49" charset="0"/>
               </a:rPr>
-              <a:t>lets see why it is so small:</a:t>
-            </a:r>
-          </a:p>
-          <a:p>
-            <a:pPr algn="l" rtl="0">
-              <a:buNone/>
-            </a:pPr>
-            <a:r>
-              <a:rPr lang="en-US" sz="1800" dirty="0" smtClean="0">
-                <a:latin typeface="Courier New" pitchFamily="49" charset="0"/>
-                <a:cs typeface="Courier New" pitchFamily="49" charset="0"/>
-              </a:rPr>
-              <a:t>open(minFile</a:t>
-            </a:r>
-            <a:r>
-              <a:rPr lang="en-US" sz="1800" dirty="0" smtClean="0">
-                <a:latin typeface="Courier New" pitchFamily="49" charset="0"/>
-                <a:cs typeface="Courier New" pitchFamily="49" charset="0"/>
-              </a:rPr>
-              <a:t>)</a:t>
+              <a:t>open(minFile)</a:t>
             </a:r>
           </a:p>
           <a:p>
@@ -22426,14 +22234,7 @@
                 <a:latin typeface="Courier New" pitchFamily="49" charset="0"/>
                 <a:cs typeface="Courier New" pitchFamily="49" charset="0"/>
               </a:rPr>
-              <a:t> </a:t>
-            </a:r>
-            <a:r>
-              <a:rPr lang="en-US" sz="2000" dirty="0" smtClean="0">
-                <a:latin typeface="Courier New" pitchFamily="49" charset="0"/>
-                <a:cs typeface="Courier New" pitchFamily="49" charset="0"/>
-              </a:rPr>
-              <a:t>inspect(handle) </a:t>
+              <a:t> inspect(handle) </a:t>
             </a:r>
             <a:r>
               <a:rPr lang="en-US" sz="2400" dirty="0" smtClean="0">
@@ -22786,14 +22587,7 @@
                           <a:latin typeface="Courier New" pitchFamily="49" charset="0"/>
                           <a:cs typeface="Courier New" pitchFamily="49" charset="0"/>
                         </a:rPr>
-                        <a:t>ha = axes</a:t>
-                      </a:r>
-                      <a:r>
-                        <a:rPr lang="sv-SE" dirty="0" smtClean="0">
-                          <a:latin typeface="Courier New" pitchFamily="49" charset="0"/>
-                          <a:cs typeface="Courier New" pitchFamily="49" charset="0"/>
-                        </a:rPr>
-                        <a:t>(</a:t>
+                        <a:t>ha = axes(</a:t>
                       </a:r>
                       <a:r>
                         <a:rPr lang="en-US" sz="1800" dirty="0" smtClean="0">
@@ -22821,14 +22615,7 @@
                           <a:latin typeface="Courier New" pitchFamily="49" charset="0"/>
                           <a:cs typeface="Courier New" pitchFamily="49" charset="0"/>
                         </a:rPr>
-                        <a:t>,</a:t>
-                      </a:r>
-                      <a:r>
-                        <a:rPr lang="sv-SE" dirty="0" smtClean="0">
-                          <a:latin typeface="Courier New" pitchFamily="49" charset="0"/>
-                          <a:cs typeface="Courier New" pitchFamily="49" charset="0"/>
-                        </a:rPr>
-                        <a:t>hf)</a:t>
+                        <a:t>,hf)</a:t>
                       </a:r>
                     </a:p>
                     <a:p>
@@ -22966,14 +22753,7 @@
                           <a:latin typeface="Courier New" pitchFamily="49" charset="0"/>
                           <a:cs typeface="Courier New" pitchFamily="49" charset="0"/>
                         </a:rPr>
-                        <a:t>ho = plot</a:t>
-                      </a:r>
-                      <a:r>
-                        <a:rPr lang="en-US" dirty="0" smtClean="0">
-                          <a:latin typeface="Courier New" pitchFamily="49" charset="0"/>
-                          <a:cs typeface="Courier New" pitchFamily="49" charset="0"/>
-                        </a:rPr>
-                        <a:t>(…,</a:t>
+                        <a:t>ho = plot(…,</a:t>
                       </a:r>
                       <a:r>
                         <a:rPr lang="en-US" sz="1800" dirty="0" smtClean="0">
@@ -23001,14 +22781,7 @@
                           <a:latin typeface="Courier New" pitchFamily="49" charset="0"/>
                           <a:cs typeface="Courier New" pitchFamily="49" charset="0"/>
                         </a:rPr>
-                        <a:t>,</a:t>
-                      </a:r>
-                      <a:r>
-                        <a:rPr lang="en-US" dirty="0" smtClean="0">
-                          <a:latin typeface="Courier New" pitchFamily="49" charset="0"/>
-                          <a:cs typeface="Courier New" pitchFamily="49" charset="0"/>
-                        </a:rPr>
-                        <a:t>ha)</a:t>
+                        <a:t>,ha)</a:t>
                       </a:r>
                       <a:endParaRPr lang="en-US" dirty="0">
                         <a:latin typeface="Courier New" pitchFamily="49" charset="0"/>
@@ -23135,21 +22908,7 @@
                 <a:latin typeface="Courier New" pitchFamily="49" charset="0"/>
                 <a:cs typeface="Courier New" pitchFamily="49" charset="0"/>
               </a:rPr>
-              <a:t>plot(Xdata,Ydata</a:t>
-            </a:r>
-            <a:r>
-              <a:rPr lang="en-US" sz="1800" dirty="0" smtClean="0">
-                <a:latin typeface="Courier New" pitchFamily="49" charset="0"/>
-                <a:cs typeface="Courier New" pitchFamily="49" charset="0"/>
-              </a:rPr>
-              <a:t>,…,'properties',</a:t>
-            </a:r>
-            <a:r>
-              <a:rPr lang="en-US" sz="1800" dirty="0" smtClean="0">
-                <a:latin typeface="Courier New" pitchFamily="49" charset="0"/>
-                <a:cs typeface="Courier New" pitchFamily="49" charset="0"/>
-              </a:rPr>
-              <a:t>values,…)</a:t>
+              <a:t>plot(Xdata,Ydata,…,'properties',values,…)</a:t>
             </a:r>
             <a:endParaRPr lang="he-IL" sz="1800" dirty="0" smtClean="0">
               <a:latin typeface="Courier New" pitchFamily="49" charset="0"/>
@@ -23365,14 +23124,7 @@
                 <a:latin typeface="Courier New" pitchFamily="49" charset="0"/>
                 <a:cs typeface="Courier New" pitchFamily="49" charset="0"/>
               </a:rPr>
-              <a:t>plot(x,y</a:t>
-            </a:r>
-            <a:r>
-              <a:rPr lang="en-US" sz="2000" dirty="0" smtClean="0">
-                <a:latin typeface="Courier New" pitchFamily="49" charset="0"/>
-                <a:cs typeface="Courier New" pitchFamily="49" charset="0"/>
-              </a:rPr>
-              <a:t>,'symbols')</a:t>
+              <a:t>plot(x,y,'symbols')</a:t>
             </a:r>
             <a:endParaRPr lang="he-IL" sz="2000" dirty="0" smtClean="0">
               <a:latin typeface="Courier New" pitchFamily="49" charset="0"/>
@@ -24881,21 +24633,7 @@
                 <a:latin typeface="Courier New" pitchFamily="49" charset="0"/>
                 <a:cs typeface="Courier New" pitchFamily="49" charset="0"/>
               </a:rPr>
-              <a:t>&gt;&gt;plot(x,y</a:t>
-            </a:r>
-            <a:r>
-              <a:rPr lang="en-US" sz="1800" dirty="0" smtClean="0">
-                <a:latin typeface="Courier New" pitchFamily="49" charset="0"/>
-                <a:cs typeface="Courier New" pitchFamily="49" charset="0"/>
-              </a:rPr>
-              <a:t>,'property1',</a:t>
-            </a:r>
-            <a:r>
-              <a:rPr lang="en-US" sz="1800" dirty="0" smtClean="0">
-                <a:latin typeface="Courier New" pitchFamily="49" charset="0"/>
-                <a:cs typeface="Courier New" pitchFamily="49" charset="0"/>
-              </a:rPr>
-              <a:t>val1,…)</a:t>
+              <a:t>&gt;&gt;plot(x,y,'property1',val1,…)</a:t>
             </a:r>
             <a:endParaRPr lang="he-IL" sz="1800" dirty="0" smtClean="0">
               <a:latin typeface="Courier New" pitchFamily="49" charset="0"/>
@@ -25752,11 +25490,7 @@
             </a:r>
             <a:r>
               <a:rPr lang="he-IL" sz="2000" dirty="0" smtClean="0"/>
-              <a:t> – מאפשרת להוסיף אובייקט גרפי נוסף במקום החלפת הישן </a:t>
-            </a:r>
-            <a:r>
-              <a:rPr lang="he-IL" sz="2000" dirty="0" smtClean="0"/>
-              <a:t>בחדש</a:t>
+              <a:t> – מאפשרת להוסיף אובייקט גרפי נוסף במקום החלפת הישן בחדש</a:t>
             </a:r>
             <a:endParaRPr lang="en-US" sz="2000" dirty="0" smtClean="0"/>
           </a:p>
@@ -29593,7 +29327,7 @@
           <a:graphicData uri="http://schemas.openxmlformats.org/presentationml/2006/ole">
             <mc:AlternateContent xmlns:mc="http://schemas.openxmlformats.org/markup-compatibility/2006">
               <mc:Choice xmlns:v="urn:schemas-microsoft-com:vml" Requires="v">
-                <p:oleObj spid="_x0000_s91154" name="Equation" r:id="rId3" imgW="1282680" imgH="507960" progId="Equation.DSMT4">
+                <p:oleObj spid="_x0000_s91155" name="Equation" r:id="rId3" imgW="1282680" imgH="507960" progId="Equation.DSMT4">
                   <p:embed/>
                 </p:oleObj>
               </mc:Choice>
@@ -29788,21 +29522,7 @@
                 <a:latin typeface="Courier New" pitchFamily="49" charset="0"/>
                 <a:cs typeface="Courier New" pitchFamily="49" charset="0"/>
               </a:rPr>
-              <a:t>set(h</a:t>
-            </a:r>
-            <a:r>
-              <a:rPr lang="en-US" dirty="0" smtClean="0">
-                <a:latin typeface="Courier New" pitchFamily="49" charset="0"/>
-                <a:cs typeface="Courier New" pitchFamily="49" charset="0"/>
-              </a:rPr>
-              <a:t>,'property',</a:t>
-            </a:r>
-            <a:r>
-              <a:rPr lang="en-US" dirty="0" smtClean="0">
-                <a:latin typeface="Courier New" pitchFamily="49" charset="0"/>
-                <a:cs typeface="Courier New" pitchFamily="49" charset="0"/>
-              </a:rPr>
-              <a:t>propval)</a:t>
+              <a:t>set(h,'property',propval)</a:t>
             </a:r>
           </a:p>
         </p:txBody>
@@ -30322,12 +30042,6 @@
               </a:rPr>
               <a:t>)</a:t>
             </a:r>
-            <a:endParaRPr lang="en-US" sz="1800" dirty="0" smtClean="0">
-              <a:solidFill>
-                <a:srgbClr val="000000"/>
-              </a:solidFill>
-              <a:latin typeface="Courier New"/>
-            </a:endParaRPr>
           </a:p>
         </p:txBody>
       </p:sp>
@@ -30425,14 +30139,19 @@
                 <a:latin typeface="Courier New" pitchFamily="49" charset="0"/>
                 <a:cs typeface="Courier New" pitchFamily="49" charset="0"/>
               </a:rPr>
-              <a:t>&gt;&gt; k</a:t>
-            </a:r>
+              <a:t>&gt;&gt; k=[0:30];</a:t>
+            </a:r>
+          </a:p>
+          <a:p>
+            <a:pPr algn="l" rtl="0">
+              <a:buNone/>
+            </a:pPr>
             <a:r>
               <a:rPr lang="en-US" sz="1800" dirty="0" smtClean="0">
                 <a:latin typeface="Courier New" pitchFamily="49" charset="0"/>
                 <a:cs typeface="Courier New" pitchFamily="49" charset="0"/>
               </a:rPr>
-              <a:t>=[0:30];</a:t>
+              <a:t>&gt;&gt; x=sin(k/5);</a:t>
             </a:r>
           </a:p>
           <a:p>
@@ -30444,33 +30163,7 @@
                 <a:latin typeface="Courier New" pitchFamily="49" charset="0"/>
                 <a:cs typeface="Courier New" pitchFamily="49" charset="0"/>
               </a:rPr>
-              <a:t>&gt;&gt; x=sin(k/5</a:t>
-            </a:r>
-            <a:r>
-              <a:rPr lang="en-US" sz="1800" dirty="0" smtClean="0">
-                <a:latin typeface="Courier New" pitchFamily="49" charset="0"/>
-                <a:cs typeface="Courier New" pitchFamily="49" charset="0"/>
-              </a:rPr>
-              <a:t>);</a:t>
-            </a:r>
-          </a:p>
-          <a:p>
-            <a:pPr algn="l" rtl="0">
-              <a:buNone/>
-            </a:pPr>
-            <a:r>
-              <a:rPr lang="en-US" sz="1800" dirty="0" smtClean="0">
-                <a:latin typeface="Courier New" pitchFamily="49" charset="0"/>
-                <a:cs typeface="Courier New" pitchFamily="49" charset="0"/>
-              </a:rPr>
-              <a:t>&gt;&gt; stem(k,x</a:t>
-            </a:r>
-            <a:r>
-              <a:rPr lang="en-US" sz="1800" dirty="0" smtClean="0">
-                <a:latin typeface="Courier New" pitchFamily="49" charset="0"/>
-                <a:cs typeface="Courier New" pitchFamily="49" charset="0"/>
-              </a:rPr>
-              <a:t>)    or    stairs(k,x)</a:t>
+              <a:t>&gt;&gt; stem(k,x)    or    stairs(k,x)</a:t>
             </a:r>
           </a:p>
           <a:p>
@@ -31691,15 +31384,7 @@
           <a:p>
             <a:r>
               <a:rPr lang="he-IL" sz="2000" dirty="0" smtClean="0"/>
-              <a:t>יש להשלים את השורה </a:t>
-            </a:r>
-            <a:r>
-              <a:rPr lang="he-IL" sz="2000" dirty="0" smtClean="0"/>
-              <a:t>הירוקה</a:t>
-            </a:r>
-            <a:r>
-              <a:rPr lang="he-IL" sz="2000" dirty="0" smtClean="0"/>
-              <a:t>:</a:t>
+              <a:t>יש להשלים את השורה הירוקה:</a:t>
             </a:r>
           </a:p>
           <a:p>
@@ -32012,7 +31697,7 @@
           <a:graphicData uri="http://schemas.openxmlformats.org/presentationml/2006/ole">
             <mc:AlternateContent xmlns:mc="http://schemas.openxmlformats.org/markup-compatibility/2006">
               <mc:Choice xmlns:v="urn:schemas-microsoft-com:vml" Requires="v">
-                <p:oleObj spid="_x0000_s95250" name="Equation" r:id="rId3" imgW="850531" imgH="253890" progId="Equation.DSMT4">
+                <p:oleObj spid="_x0000_s95251" name="Equation" r:id="rId3" imgW="850531" imgH="253890" progId="Equation.DSMT4">
                   <p:embed/>
                 </p:oleObj>
               </mc:Choice>
@@ -35620,7 +35305,7 @@
           <a:graphicData uri="http://schemas.openxmlformats.org/presentationml/2006/ole">
             <mc:AlternateContent xmlns:mc="http://schemas.openxmlformats.org/markup-compatibility/2006">
               <mc:Choice xmlns:v="urn:schemas-microsoft-com:vml" Requires="v">
-                <p:oleObj spid="_x0000_s109601" name="Equation" r:id="rId3" imgW="710891" imgH="266584" progId="Equation.DSMT4">
+                <p:oleObj spid="_x0000_s109603" name="Equation" r:id="rId3" imgW="710891" imgH="266584" progId="Equation.DSMT4">
                   <p:embed/>
                 </p:oleObj>
               </mc:Choice>
@@ -35728,7 +35413,7 @@
           <a:graphicData uri="http://schemas.openxmlformats.org/presentationml/2006/ole">
             <mc:AlternateContent xmlns:mc="http://schemas.openxmlformats.org/markup-compatibility/2006">
               <mc:Choice xmlns:v="urn:schemas-microsoft-com:vml" Requires="v">
-                <p:oleObj spid="_x0000_s109602" name="Equation" r:id="rId5" imgW="1256755" imgH="482391" progId="Equation.DSMT4">
+                <p:oleObj spid="_x0000_s109604" name="Equation" r:id="rId5" imgW="1256755" imgH="482391" progId="Equation.DSMT4">
                   <p:embed/>
                 </p:oleObj>
               </mc:Choice>
@@ -36167,7 +35852,7 @@
           <a:graphicData uri="http://schemas.openxmlformats.org/presentationml/2006/ole">
             <mc:AlternateContent xmlns:mc="http://schemas.openxmlformats.org/markup-compatibility/2006">
               <mc:Choice xmlns:v="urn:schemas-microsoft-com:vml" Requires="v">
-                <p:oleObj spid="_x0000_s140406" name="Equation" r:id="rId3" imgW="1256755" imgH="253890" progId="Equation.DSMT4">
+                <p:oleObj spid="_x0000_s140413" name="Equation" r:id="rId3" imgW="1256755" imgH="253890" progId="Equation.DSMT4">
                   <p:embed/>
                 </p:oleObj>
               </mc:Choice>
@@ -36313,7 +35998,7 @@
           <a:graphicData uri="http://schemas.openxmlformats.org/presentationml/2006/ole">
             <mc:AlternateContent xmlns:mc="http://schemas.openxmlformats.org/markup-compatibility/2006">
               <mc:Choice xmlns:v="urn:schemas-microsoft-com:vml" Requires="v">
-                <p:oleObj spid="_x0000_s140407" name="Equation" r:id="rId5" imgW="1129810" imgH="253890" progId="Equation.DSMT4">
+                <p:oleObj spid="_x0000_s140414" name="Equation" r:id="rId5" imgW="1129810" imgH="253890" progId="Equation.DSMT4">
                   <p:embed/>
                 </p:oleObj>
               </mc:Choice>
@@ -36459,7 +36144,7 @@
           <a:graphicData uri="http://schemas.openxmlformats.org/presentationml/2006/ole">
             <mc:AlternateContent xmlns:mc="http://schemas.openxmlformats.org/markup-compatibility/2006">
               <mc:Choice xmlns:v="urn:schemas-microsoft-com:vml" Requires="v">
-                <p:oleObj spid="_x0000_s140408" name="Equation" r:id="rId7" imgW="469696" imgH="177723" progId="Equation.DSMT4">
+                <p:oleObj spid="_x0000_s140415" name="Equation" r:id="rId7" imgW="469696" imgH="177723" progId="Equation.DSMT4">
                   <p:embed/>
                 </p:oleObj>
               </mc:Choice>
@@ -36605,7 +36290,7 @@
           <a:graphicData uri="http://schemas.openxmlformats.org/presentationml/2006/ole">
             <mc:AlternateContent xmlns:mc="http://schemas.openxmlformats.org/markup-compatibility/2006">
               <mc:Choice xmlns:v="urn:schemas-microsoft-com:vml" Requires="v">
-                <p:oleObj spid="_x0000_s140409" name="Equation" r:id="rId9" imgW="710891" imgH="266584" progId="Equation.DSMT4">
+                <p:oleObj spid="_x0000_s140416" name="Equation" r:id="rId9" imgW="710891" imgH="266584" progId="Equation.DSMT4">
                   <p:embed/>
                 </p:oleObj>
               </mc:Choice>
@@ -36751,7 +36436,7 @@
           <a:graphicData uri="http://schemas.openxmlformats.org/presentationml/2006/ole">
             <mc:AlternateContent xmlns:mc="http://schemas.openxmlformats.org/markup-compatibility/2006">
               <mc:Choice xmlns:v="urn:schemas-microsoft-com:vml" Requires="v">
-                <p:oleObj spid="_x0000_s140410" name="Equation" r:id="rId11" imgW="850900" imgH="228600" progId="Equation.DSMT4">
+                <p:oleObj spid="_x0000_s140417" name="Equation" r:id="rId11" imgW="850900" imgH="228600" progId="Equation.DSMT4">
                   <p:embed/>
                 </p:oleObj>
               </mc:Choice>
@@ -36897,7 +36582,7 @@
           <a:graphicData uri="http://schemas.openxmlformats.org/presentationml/2006/ole">
             <mc:AlternateContent xmlns:mc="http://schemas.openxmlformats.org/markup-compatibility/2006">
               <mc:Choice xmlns:v="urn:schemas-microsoft-com:vml" Requires="v">
-                <p:oleObj spid="_x0000_s140411" name="Equation" r:id="rId13" imgW="1803400" imgH="508000" progId="Equation.DSMT4">
+                <p:oleObj spid="_x0000_s140418" name="Equation" r:id="rId13" imgW="1803400" imgH="508000" progId="Equation.DSMT4">
                   <p:embed/>
                 </p:oleObj>
               </mc:Choice>
@@ -37043,7 +36728,7 @@
           <a:graphicData uri="http://schemas.openxmlformats.org/presentationml/2006/ole">
             <mc:AlternateContent xmlns:mc="http://schemas.openxmlformats.org/markup-compatibility/2006">
               <mc:Choice xmlns:v="urn:schemas-microsoft-com:vml" Requires="v">
-                <p:oleObj spid="_x0000_s140412" name="Equation" r:id="rId15" imgW="126780" imgH="215526" progId="Equation.DSMT4">
+                <p:oleObj spid="_x0000_s140419" name="Equation" r:id="rId15" imgW="126780" imgH="215526" progId="Equation.DSMT4">
                   <p:embed/>
                 </p:oleObj>
               </mc:Choice>
@@ -37604,7 +37289,7 @@
           <a:graphicData uri="http://schemas.openxmlformats.org/presentationml/2006/ole">
             <mc:AlternateContent xmlns:mc="http://schemas.openxmlformats.org/markup-compatibility/2006">
               <mc:Choice xmlns:v="urn:schemas-microsoft-com:vml" Requires="v">
-                <p:oleObj spid="_x0000_s108579" name="Equation" r:id="rId3" imgW="1205977" imgH="393529" progId="Equation.DSMT4">
+                <p:oleObj spid="_x0000_s108581" name="Equation" r:id="rId3" imgW="1205977" imgH="393529" progId="Equation.DSMT4">
                   <p:embed/>
                 </p:oleObj>
               </mc:Choice>
@@ -37783,7 +37468,7 @@
           <a:graphicData uri="http://schemas.openxmlformats.org/presentationml/2006/ole">
             <mc:AlternateContent xmlns:mc="http://schemas.openxmlformats.org/markup-compatibility/2006">
               <mc:Choice xmlns:v="urn:schemas-microsoft-com:vml" Requires="v">
-                <p:oleObj spid="_x0000_s108580" name="Equation" r:id="rId6" imgW="825500" imgH="393700" progId="Equation.DSMT4">
+                <p:oleObj spid="_x0000_s108582" name="Equation" r:id="rId6" imgW="825500" imgH="393700" progId="Equation.DSMT4">
                   <p:embed/>
                 </p:oleObj>
               </mc:Choice>
